--- a/Lecture/Web Scraping 1/Web_Scraping_1_Lecture.pptx
+++ b/Lecture/Web Scraping 1/Web_Scraping_1_Lecture.pptx
@@ -3441,7 +3441,7 @@
               <a:pPr>
                 <a:defRPr/>
               </a:pPr>
-              <a:t>7/5/2019</a:t>
+              <a:t>7/1/2020</a:t>
             </a:fld>
             <a:endParaRPr lang="en-US" dirty="0"/>
           </a:p>
@@ -3653,7 +3653,7 @@
               <a:pPr>
                 <a:defRPr/>
               </a:pPr>
-              <a:t>7/5/2019</a:t>
+              <a:t>7/1/2020</a:t>
             </a:fld>
             <a:endParaRPr lang="en-US" dirty="0"/>
           </a:p>
@@ -4172,7 +4172,7 @@
               <a:pPr>
                 <a:defRPr/>
               </a:pPr>
-              <a:t>7/5/2019</a:t>
+              <a:t>7/1/2020</a:t>
             </a:fld>
             <a:endParaRPr lang="en-US" dirty="0"/>
           </a:p>
@@ -4362,7 +4362,7 @@
               <a:pPr>
                 <a:defRPr/>
               </a:pPr>
-              <a:t>7/5/2019</a:t>
+              <a:t>7/1/2020</a:t>
             </a:fld>
             <a:endParaRPr lang="en-US" dirty="0"/>
           </a:p>
@@ -4562,7 +4562,7 @@
               <a:pPr>
                 <a:defRPr/>
               </a:pPr>
-              <a:t>7/5/2019</a:t>
+              <a:t>7/1/2020</a:t>
             </a:fld>
             <a:endParaRPr lang="en-US" dirty="0"/>
           </a:p>
@@ -4830,7 +4830,7 @@
               <a:pPr>
                 <a:defRPr/>
               </a:pPr>
-              <a:t>7/5/2019</a:t>
+              <a:t>7/1/2020</a:t>
             </a:fld>
             <a:endParaRPr lang="en-US" dirty="0">
               <a:solidFill>
@@ -5044,7 +5044,7 @@
               <a:pPr>
                 <a:defRPr/>
               </a:pPr>
-              <a:t>7/5/2019</a:t>
+              <a:t>7/1/2020</a:t>
             </a:fld>
             <a:endParaRPr lang="en-US" dirty="0">
               <a:solidFill>
@@ -5335,7 +5335,7 @@
               <a:pPr>
                 <a:defRPr/>
               </a:pPr>
-              <a:t>7/5/2019</a:t>
+              <a:t>7/1/2020</a:t>
             </a:fld>
             <a:endParaRPr lang="en-US" dirty="0">
               <a:solidFill>
@@ -5666,7 +5666,7 @@
               <a:pPr>
                 <a:defRPr/>
               </a:pPr>
-              <a:t>7/5/2019</a:t>
+              <a:t>7/1/2020</a:t>
             </a:fld>
             <a:endParaRPr lang="en-US" dirty="0">
               <a:solidFill>
@@ -6131,7 +6131,7 @@
               <a:pPr>
                 <a:defRPr/>
               </a:pPr>
-              <a:t>7/5/2019</a:t>
+              <a:t>7/1/2020</a:t>
             </a:fld>
             <a:endParaRPr lang="en-US" dirty="0">
               <a:solidFill>
@@ -6294,7 +6294,7 @@
               <a:pPr>
                 <a:defRPr/>
               </a:pPr>
-              <a:t>7/5/2019</a:t>
+              <a:t>7/1/2020</a:t>
             </a:fld>
             <a:endParaRPr lang="en-US" dirty="0">
               <a:solidFill>
@@ -6435,7 +6435,7 @@
               <a:pPr>
                 <a:defRPr/>
               </a:pPr>
-              <a:t>7/5/2019</a:t>
+              <a:t>7/1/2020</a:t>
             </a:fld>
             <a:endParaRPr lang="en-US" dirty="0">
               <a:solidFill>
@@ -6756,7 +6756,7 @@
               <a:pPr>
                 <a:defRPr/>
               </a:pPr>
-              <a:t>7/5/2019</a:t>
+              <a:t>7/1/2020</a:t>
             </a:fld>
             <a:endParaRPr lang="en-US" dirty="0">
               <a:solidFill>
@@ -6964,7 +6964,7 @@
               <a:pPr>
                 <a:defRPr/>
               </a:pPr>
-              <a:t>7/5/2019</a:t>
+              <a:t>7/1/2020</a:t>
             </a:fld>
             <a:endParaRPr lang="en-US" dirty="0"/>
           </a:p>
@@ -7247,7 +7247,7 @@
               <a:pPr>
                 <a:defRPr/>
               </a:pPr>
-              <a:t>7/5/2019</a:t>
+              <a:t>7/1/2020</a:t>
             </a:fld>
             <a:endParaRPr lang="en-US" dirty="0">
               <a:solidFill>
@@ -7461,7 +7461,7 @@
               <a:pPr>
                 <a:defRPr/>
               </a:pPr>
-              <a:t>7/5/2019</a:t>
+              <a:t>7/1/2020</a:t>
             </a:fld>
             <a:endParaRPr lang="en-US" dirty="0">
               <a:solidFill>
@@ -7685,7 +7685,7 @@
               <a:pPr>
                 <a:defRPr/>
               </a:pPr>
-              <a:t>7/5/2019</a:t>
+              <a:t>7/1/2020</a:t>
             </a:fld>
             <a:endParaRPr lang="en-US" dirty="0">
               <a:solidFill>
@@ -7895,7 +7895,7 @@
               <a:pPr>
                 <a:defRPr/>
               </a:pPr>
-              <a:t>7/5/2019</a:t>
+              <a:t>7/1/2020</a:t>
             </a:fld>
             <a:endParaRPr lang="en-US" dirty="0">
               <a:solidFill>
@@ -8172,7 +8172,7 @@
               <a:pPr>
                 <a:defRPr/>
               </a:pPr>
-              <a:t>7/5/2019</a:t>
+              <a:t>7/1/2020</a:t>
             </a:fld>
             <a:endParaRPr lang="en-US" dirty="0"/>
           </a:p>
@@ -8479,7 +8479,7 @@
               <a:pPr>
                 <a:defRPr/>
               </a:pPr>
-              <a:t>7/5/2019</a:t>
+              <a:t>7/1/2020</a:t>
             </a:fld>
             <a:endParaRPr lang="en-US" dirty="0"/>
           </a:p>
@@ -8920,7 +8920,7 @@
               <a:pPr>
                 <a:defRPr/>
               </a:pPr>
-              <a:t>7/5/2019</a:t>
+              <a:t>7/1/2020</a:t>
             </a:fld>
             <a:endParaRPr lang="en-US" dirty="0"/>
           </a:p>
@@ -9059,7 +9059,7 @@
               <a:pPr>
                 <a:defRPr/>
               </a:pPr>
-              <a:t>7/5/2019</a:t>
+              <a:t>7/1/2020</a:t>
             </a:fld>
             <a:endParaRPr lang="en-US" dirty="0"/>
           </a:p>
@@ -9176,7 +9176,7 @@
               <a:pPr>
                 <a:defRPr/>
               </a:pPr>
-              <a:t>7/5/2019</a:t>
+              <a:t>7/1/2020</a:t>
             </a:fld>
             <a:endParaRPr lang="en-US" dirty="0"/>
           </a:p>
@@ -9473,7 +9473,7 @@
               <a:pPr>
                 <a:defRPr/>
               </a:pPr>
-              <a:t>7/5/2019</a:t>
+              <a:t>7/1/2020</a:t>
             </a:fld>
             <a:endParaRPr lang="en-US" dirty="0"/>
           </a:p>
@@ -9750,7 +9750,7 @@
               <a:pPr>
                 <a:defRPr/>
               </a:pPr>
-              <a:t>7/5/2019</a:t>
+              <a:t>7/1/2020</a:t>
             </a:fld>
             <a:endParaRPr lang="en-US" dirty="0"/>
           </a:p>
@@ -10007,7 +10007,7 @@
               <a:pPr>
                 <a:defRPr/>
               </a:pPr>
-              <a:t>7/5/2019</a:t>
+              <a:t>7/1/2020</a:t>
             </a:fld>
             <a:endParaRPr lang="en-US" dirty="0"/>
           </a:p>
@@ -10717,7 +10717,7 @@
               <a:pPr>
                 <a:defRPr/>
               </a:pPr>
-              <a:t>7/5/2019</a:t>
+              <a:t>7/1/2020</a:t>
             </a:fld>
             <a:endParaRPr lang="en-US" dirty="0">
               <a:solidFill>
@@ -18355,7 +18355,7 @@
         <p:spPr>
           <a:xfrm>
             <a:off x="3810000" y="621916"/>
-            <a:ext cx="5105400" cy="4893647"/>
+            <a:ext cx="5334000" cy="4893647"/>
           </a:xfrm>
           <a:prstGeom prst="rect">
             <a:avLst/>
@@ -18378,7 +18378,7 @@
                   <a:srgbClr val="404040"/>
                 </a:solidFill>
               </a:rPr>
-              <a:t>Step 1: Open Tutorial 7</a:t>
+              <a:t>Step 1: Open Tutorial</a:t>
             </a:r>
           </a:p>
           <a:p>
@@ -18469,7 +18469,7 @@
                   <a:srgbClr val="404040"/>
                 </a:solidFill>
               </a:rPr>
-              <a:t>noncensus</a:t>
+              <a:t>devtools</a:t>
             </a:r>
             <a:endParaRPr lang="en-US" dirty="0">
               <a:solidFill>
@@ -18482,6 +18482,38 @@
               <a:buFont typeface="Arial" panose="020B0604020202020204" pitchFamily="34" charset="0"/>
               <a:buChar char="•"/>
             </a:pPr>
+            <a:r>
+              <a:rPr lang="en-US" dirty="0" err="1">
+                <a:solidFill>
+                  <a:srgbClr val="404040"/>
+                </a:solidFill>
+              </a:rPr>
+              <a:t>noncensus</a:t>
+            </a:r>
+            <a:r>
+              <a:rPr lang="en-US" dirty="0">
+                <a:solidFill>
+                  <a:srgbClr val="404040"/>
+                </a:solidFill>
+              </a:rPr>
+              <a:t> (Install from </a:t>
+            </a:r>
+            <a:r>
+              <a:rPr lang="en-US" dirty="0" err="1">
+                <a:solidFill>
+                  <a:srgbClr val="404040"/>
+                </a:solidFill>
+              </a:rPr>
+              <a:t>Github</a:t>
+            </a:r>
+            <a:r>
+              <a:rPr lang="en-US">
+                <a:solidFill>
+                  <a:srgbClr val="404040"/>
+                </a:solidFill>
+              </a:rPr>
+              <a:t>)</a:t>
+            </a:r>
             <a:endParaRPr lang="en-US" dirty="0">
               <a:solidFill>
                 <a:srgbClr val="404040"/>

--- a/Lecture/Web Scraping 1/Web_Scraping_1_Lecture.pptx
+++ b/Lecture/Web Scraping 1/Web_Scraping_1_Lecture.pptx
@@ -3441,7 +3441,7 @@
               <a:pPr>
                 <a:defRPr/>
               </a:pPr>
-              <a:t>7/1/2020</a:t>
+              <a:t>9/16/2020</a:t>
             </a:fld>
             <a:endParaRPr lang="en-US" dirty="0"/>
           </a:p>
@@ -3653,7 +3653,7 @@
               <a:pPr>
                 <a:defRPr/>
               </a:pPr>
-              <a:t>7/1/2020</a:t>
+              <a:t>9/16/2020</a:t>
             </a:fld>
             <a:endParaRPr lang="en-US" dirty="0"/>
           </a:p>
@@ -4172,7 +4172,7 @@
               <a:pPr>
                 <a:defRPr/>
               </a:pPr>
-              <a:t>7/1/2020</a:t>
+              <a:t>9/16/2020</a:t>
             </a:fld>
             <a:endParaRPr lang="en-US" dirty="0"/>
           </a:p>
@@ -4362,7 +4362,7 @@
               <a:pPr>
                 <a:defRPr/>
               </a:pPr>
-              <a:t>7/1/2020</a:t>
+              <a:t>9/16/2020</a:t>
             </a:fld>
             <a:endParaRPr lang="en-US" dirty="0"/>
           </a:p>
@@ -4562,7 +4562,7 @@
               <a:pPr>
                 <a:defRPr/>
               </a:pPr>
-              <a:t>7/1/2020</a:t>
+              <a:t>9/16/2020</a:t>
             </a:fld>
             <a:endParaRPr lang="en-US" dirty="0"/>
           </a:p>
@@ -4830,7 +4830,7 @@
               <a:pPr>
                 <a:defRPr/>
               </a:pPr>
-              <a:t>7/1/2020</a:t>
+              <a:t>9/16/2020</a:t>
             </a:fld>
             <a:endParaRPr lang="en-US" dirty="0">
               <a:solidFill>
@@ -5044,7 +5044,7 @@
               <a:pPr>
                 <a:defRPr/>
               </a:pPr>
-              <a:t>7/1/2020</a:t>
+              <a:t>9/16/2020</a:t>
             </a:fld>
             <a:endParaRPr lang="en-US" dirty="0">
               <a:solidFill>
@@ -5335,7 +5335,7 @@
               <a:pPr>
                 <a:defRPr/>
               </a:pPr>
-              <a:t>7/1/2020</a:t>
+              <a:t>9/16/2020</a:t>
             </a:fld>
             <a:endParaRPr lang="en-US" dirty="0">
               <a:solidFill>
@@ -5666,7 +5666,7 @@
               <a:pPr>
                 <a:defRPr/>
               </a:pPr>
-              <a:t>7/1/2020</a:t>
+              <a:t>9/16/2020</a:t>
             </a:fld>
             <a:endParaRPr lang="en-US" dirty="0">
               <a:solidFill>
@@ -6131,7 +6131,7 @@
               <a:pPr>
                 <a:defRPr/>
               </a:pPr>
-              <a:t>7/1/2020</a:t>
+              <a:t>9/16/2020</a:t>
             </a:fld>
             <a:endParaRPr lang="en-US" dirty="0">
               <a:solidFill>
@@ -6294,7 +6294,7 @@
               <a:pPr>
                 <a:defRPr/>
               </a:pPr>
-              <a:t>7/1/2020</a:t>
+              <a:t>9/16/2020</a:t>
             </a:fld>
             <a:endParaRPr lang="en-US" dirty="0">
               <a:solidFill>
@@ -6435,7 +6435,7 @@
               <a:pPr>
                 <a:defRPr/>
               </a:pPr>
-              <a:t>7/1/2020</a:t>
+              <a:t>9/16/2020</a:t>
             </a:fld>
             <a:endParaRPr lang="en-US" dirty="0">
               <a:solidFill>
@@ -6756,7 +6756,7 @@
               <a:pPr>
                 <a:defRPr/>
               </a:pPr>
-              <a:t>7/1/2020</a:t>
+              <a:t>9/16/2020</a:t>
             </a:fld>
             <a:endParaRPr lang="en-US" dirty="0">
               <a:solidFill>
@@ -6964,7 +6964,7 @@
               <a:pPr>
                 <a:defRPr/>
               </a:pPr>
-              <a:t>7/1/2020</a:t>
+              <a:t>9/16/2020</a:t>
             </a:fld>
             <a:endParaRPr lang="en-US" dirty="0"/>
           </a:p>
@@ -7247,7 +7247,7 @@
               <a:pPr>
                 <a:defRPr/>
               </a:pPr>
-              <a:t>7/1/2020</a:t>
+              <a:t>9/16/2020</a:t>
             </a:fld>
             <a:endParaRPr lang="en-US" dirty="0">
               <a:solidFill>
@@ -7461,7 +7461,7 @@
               <a:pPr>
                 <a:defRPr/>
               </a:pPr>
-              <a:t>7/1/2020</a:t>
+              <a:t>9/16/2020</a:t>
             </a:fld>
             <a:endParaRPr lang="en-US" dirty="0">
               <a:solidFill>
@@ -7685,7 +7685,7 @@
               <a:pPr>
                 <a:defRPr/>
               </a:pPr>
-              <a:t>7/1/2020</a:t>
+              <a:t>9/16/2020</a:t>
             </a:fld>
             <a:endParaRPr lang="en-US" dirty="0">
               <a:solidFill>
@@ -7895,7 +7895,7 @@
               <a:pPr>
                 <a:defRPr/>
               </a:pPr>
-              <a:t>7/1/2020</a:t>
+              <a:t>9/16/2020</a:t>
             </a:fld>
             <a:endParaRPr lang="en-US" dirty="0">
               <a:solidFill>
@@ -8172,7 +8172,7 @@
               <a:pPr>
                 <a:defRPr/>
               </a:pPr>
-              <a:t>7/1/2020</a:t>
+              <a:t>9/16/2020</a:t>
             </a:fld>
             <a:endParaRPr lang="en-US" dirty="0"/>
           </a:p>
@@ -8479,7 +8479,7 @@
               <a:pPr>
                 <a:defRPr/>
               </a:pPr>
-              <a:t>7/1/2020</a:t>
+              <a:t>9/16/2020</a:t>
             </a:fld>
             <a:endParaRPr lang="en-US" dirty="0"/>
           </a:p>
@@ -8920,7 +8920,7 @@
               <a:pPr>
                 <a:defRPr/>
               </a:pPr>
-              <a:t>7/1/2020</a:t>
+              <a:t>9/16/2020</a:t>
             </a:fld>
             <a:endParaRPr lang="en-US" dirty="0"/>
           </a:p>
@@ -9059,7 +9059,7 @@
               <a:pPr>
                 <a:defRPr/>
               </a:pPr>
-              <a:t>7/1/2020</a:t>
+              <a:t>9/16/2020</a:t>
             </a:fld>
             <a:endParaRPr lang="en-US" dirty="0"/>
           </a:p>
@@ -9176,7 +9176,7 @@
               <a:pPr>
                 <a:defRPr/>
               </a:pPr>
-              <a:t>7/1/2020</a:t>
+              <a:t>9/16/2020</a:t>
             </a:fld>
             <a:endParaRPr lang="en-US" dirty="0"/>
           </a:p>
@@ -9473,7 +9473,7 @@
               <a:pPr>
                 <a:defRPr/>
               </a:pPr>
-              <a:t>7/1/2020</a:t>
+              <a:t>9/16/2020</a:t>
             </a:fld>
             <a:endParaRPr lang="en-US" dirty="0"/>
           </a:p>
@@ -9750,7 +9750,7 @@
               <a:pPr>
                 <a:defRPr/>
               </a:pPr>
-              <a:t>7/1/2020</a:t>
+              <a:t>9/16/2020</a:t>
             </a:fld>
             <a:endParaRPr lang="en-US" dirty="0"/>
           </a:p>
@@ -10007,7 +10007,7 @@
               <a:pPr>
                 <a:defRPr/>
               </a:pPr>
-              <a:t>7/1/2020</a:t>
+              <a:t>9/16/2020</a:t>
             </a:fld>
             <a:endParaRPr lang="en-US" dirty="0"/>
           </a:p>
@@ -10717,7 +10717,7 @@
               <a:pPr>
                 <a:defRPr/>
               </a:pPr>
-              <a:t>7/1/2020</a:t>
+              <a:t>9/16/2020</a:t>
             </a:fld>
             <a:endParaRPr lang="en-US" dirty="0">
               <a:solidFill>
@@ -12023,7 +12023,7 @@
                   <a:srgbClr val="404040"/>
                 </a:solidFill>
               </a:rPr>
-              <a:t>st</a:t>
+              <a:t>st </a:t>
             </a:r>
             <a:r>
               <a:rPr lang="en-US" dirty="0">
@@ -12031,7 +12031,7 @@
                   <a:srgbClr val="404040"/>
                 </a:solidFill>
               </a:rPr>
-              <a:t> Row – Subgroups</a:t>
+              <a:t> 2 Rows</a:t>
             </a:r>
           </a:p>
           <a:p>
@@ -12352,7 +12352,7 @@
         <p:spPr>
           <a:xfrm>
             <a:off x="3810000" y="621916"/>
-            <a:ext cx="5334000" cy="5262979"/>
+            <a:ext cx="5334000" cy="5632311"/>
           </a:xfrm>
           <a:prstGeom prst="rect">
             <a:avLst/>
@@ -12552,6 +12552,20 @@
                 </a:solidFill>
               </a:rPr>
               <a:t>City Variable Has Problems</a:t>
+            </a:r>
+          </a:p>
+          <a:p>
+            <a:pPr marL="800100" lvl="1" indent="-342900">
+              <a:buFont typeface="Arial" panose="020B0604020202020204" pitchFamily="34" charset="0"/>
+              <a:buChar char="•"/>
+            </a:pPr>
+            <a:r>
+              <a:rPr lang="en-US" dirty="0">
+                <a:solidFill>
+                  <a:srgbClr val="404040"/>
+                </a:solidFill>
+              </a:rPr>
+              <a:t>State Variable Has Problems</a:t>
             </a:r>
           </a:p>
           <a:p>
@@ -15309,7 +15323,7 @@
         <p:spPr>
           <a:xfrm>
             <a:off x="3810000" y="621916"/>
-            <a:ext cx="5334000" cy="5632311"/>
+            <a:ext cx="5334000" cy="4154984"/>
           </a:xfrm>
           <a:prstGeom prst="rect">
             <a:avLst/>
@@ -15339,35 +15353,6 @@
             </a:r>
           </a:p>
           <a:p>
-            <a:pPr marL="342900" indent="-342900">
-              <a:buFont typeface="Arial" panose="020B0604020202020204" pitchFamily="34" charset="0"/>
-              <a:buChar char="•"/>
-            </a:pPr>
-            <a:endParaRPr lang="en-US" dirty="0">
-              <a:solidFill>
-                <a:srgbClr val="404040"/>
-              </a:solidFill>
-            </a:endParaRPr>
-          </a:p>
-          <a:p>
-            <a:pPr marL="342900" indent="-342900">
-              <a:buFont typeface="Arial" panose="020B0604020202020204" pitchFamily="34" charset="0"/>
-              <a:buChar char="•"/>
-            </a:pPr>
-            <a:r>
-              <a:rPr lang="en-US" dirty="0">
-                <a:solidFill>
-                  <a:srgbClr val="404040"/>
-                </a:solidFill>
-              </a:rPr>
-              <a:t>We Will Begin the Last Half of This Tutorial By Loading in this Information</a:t>
-            </a:r>
-          </a:p>
-          <a:p>
-            <a:pPr marL="342900" indent="-342900">
-              <a:buFont typeface="Arial" panose="020B0604020202020204" pitchFamily="34" charset="0"/>
-              <a:buChar char="•"/>
-            </a:pPr>
             <a:endParaRPr lang="en-US" dirty="0">
               <a:solidFill>
                 <a:srgbClr val="404040"/>
@@ -16704,7 +16689,7 @@
           <a:prstGeom prst="rect">
             <a:avLst/>
           </a:prstGeom>
-          <a:ln>
+          <a:ln w="19050">
             <a:solidFill>
               <a:srgbClr val="404040"/>
             </a:solidFill>
@@ -17009,7 +16994,7 @@
           <a:prstGeom prst="rect">
             <a:avLst/>
           </a:prstGeom>
-          <a:ln>
+          <a:ln w="19050">
             <a:solidFill>
               <a:srgbClr val="404040"/>
             </a:solidFill>
@@ -18378,7 +18363,7 @@
                   <a:srgbClr val="404040"/>
                 </a:solidFill>
               </a:rPr>
-              <a:t>Step 1: Open Tutorial</a:t>
+              <a:t>Step 1: Open Supplement</a:t>
             </a:r>
           </a:p>
           <a:p>
@@ -18507,18 +18492,13 @@
               <a:t>Github</a:t>
             </a:r>
             <a:r>
-              <a:rPr lang="en-US">
+              <a:rPr lang="en-US" dirty="0">
                 <a:solidFill>
                   <a:srgbClr val="404040"/>
                 </a:solidFill>
               </a:rPr>
               <a:t>)</a:t>
             </a:r>
-            <a:endParaRPr lang="en-US" dirty="0">
-              <a:solidFill>
-                <a:srgbClr val="404040"/>
-              </a:solidFill>
-            </a:endParaRPr>
           </a:p>
           <a:p>
             <a:pPr marL="800100" lvl="1" indent="-342900">
@@ -18848,7 +18828,7 @@
         <p:spPr>
           <a:xfrm>
             <a:off x="3810000" y="621916"/>
-            <a:ext cx="5105400" cy="1938992"/>
+            <a:ext cx="5105400" cy="4524315"/>
           </a:xfrm>
           <a:prstGeom prst="rect">
             <a:avLst/>
@@ -18901,6 +18881,83 @@
               </a:rPr>
               <a:t>Step 2: Locate the Table</a:t>
             </a:r>
+          </a:p>
+          <a:p>
+            <a:pPr marL="342900" indent="-342900">
+              <a:buFont typeface="Arial" panose="020B0604020202020204" pitchFamily="34" charset="0"/>
+              <a:buChar char="•"/>
+            </a:pPr>
+            <a:endParaRPr lang="en-US" dirty="0">
+              <a:solidFill>
+                <a:srgbClr val="404040"/>
+              </a:solidFill>
+            </a:endParaRPr>
+          </a:p>
+          <a:p>
+            <a:pPr marL="342900" indent="-342900">
+              <a:buFont typeface="Arial" panose="020B0604020202020204" pitchFamily="34" charset="0"/>
+              <a:buChar char="•"/>
+            </a:pPr>
+            <a:endParaRPr lang="en-US" dirty="0">
+              <a:solidFill>
+                <a:srgbClr val="404040"/>
+              </a:solidFill>
+            </a:endParaRPr>
+          </a:p>
+          <a:p>
+            <a:pPr marL="342900" indent="-342900">
+              <a:buFont typeface="Arial" panose="020B0604020202020204" pitchFamily="34" charset="0"/>
+              <a:buChar char="•"/>
+            </a:pPr>
+            <a:endParaRPr lang="en-US" dirty="0">
+              <a:solidFill>
+                <a:srgbClr val="404040"/>
+              </a:solidFill>
+            </a:endParaRPr>
+          </a:p>
+          <a:p>
+            <a:pPr marL="342900" indent="-342900">
+              <a:buFont typeface="Arial" panose="020B0604020202020204" pitchFamily="34" charset="0"/>
+              <a:buChar char="•"/>
+            </a:pPr>
+            <a:endParaRPr lang="en-US" dirty="0">
+              <a:solidFill>
+                <a:srgbClr val="404040"/>
+              </a:solidFill>
+            </a:endParaRPr>
+          </a:p>
+          <a:p>
+            <a:pPr marL="342900" indent="-342900">
+              <a:buFont typeface="Arial" panose="020B0604020202020204" pitchFamily="34" charset="0"/>
+              <a:buChar char="•"/>
+            </a:pPr>
+            <a:endParaRPr lang="en-US" dirty="0">
+              <a:solidFill>
+                <a:srgbClr val="404040"/>
+              </a:solidFill>
+            </a:endParaRPr>
+          </a:p>
+          <a:p>
+            <a:pPr marL="342900" indent="-342900">
+              <a:buFont typeface="Arial" panose="020B0604020202020204" pitchFamily="34" charset="0"/>
+              <a:buChar char="•"/>
+            </a:pPr>
+            <a:endParaRPr lang="en-US" dirty="0">
+              <a:solidFill>
+                <a:srgbClr val="404040"/>
+              </a:solidFill>
+            </a:endParaRPr>
+          </a:p>
+          <a:p>
+            <a:pPr marL="342900" indent="-342900">
+              <a:buFont typeface="Arial" panose="020B0604020202020204" pitchFamily="34" charset="0"/>
+              <a:buChar char="•"/>
+            </a:pPr>
+            <a:endParaRPr lang="en-US" dirty="0">
+              <a:solidFill>
+                <a:srgbClr val="404040"/>
+              </a:solidFill>
+            </a:endParaRPr>
           </a:p>
           <a:p>
             <a:pPr marL="342900" indent="-342900">
@@ -18940,7 +18997,7 @@
         </p:nvSpPr>
         <p:spPr>
           <a:xfrm rot="5400000">
-            <a:off x="4569691" y="4459624"/>
+            <a:off x="4569691" y="5344775"/>
             <a:ext cx="656551" cy="651934"/>
           </a:xfrm>
           <a:prstGeom prst="bentUpArrow">
@@ -18992,7 +19049,7 @@
         </p:nvSpPr>
         <p:spPr>
           <a:xfrm>
-            <a:off x="5187839" y="4749184"/>
+            <a:off x="5187839" y="5634335"/>
             <a:ext cx="3505200" cy="461665"/>
           </a:xfrm>
           <a:prstGeom prst="rect">
@@ -19019,10 +19076,10 @@
       </p:sp>
       <p:pic>
         <p:nvPicPr>
-          <p:cNvPr id="7" name="Picture 6">
+          <p:cNvPr id="3" name="Picture 2">
             <a:extLst>
               <a:ext uri="{FF2B5EF4-FFF2-40B4-BE49-F238E27FC236}">
-                <a16:creationId xmlns:a16="http://schemas.microsoft.com/office/drawing/2014/main" id="{BEA2E90C-C07E-4041-BBA6-E68160C17CF4}"/>
+                <a16:creationId xmlns:a16="http://schemas.microsoft.com/office/drawing/2014/main" id="{9AABB879-7A07-4750-BCE6-8619EAFF84C0}"/>
               </a:ext>
             </a:extLst>
           </p:cNvPr>
@@ -19039,32 +19096,18 @@
         </p:blipFill>
         <p:spPr>
           <a:xfrm>
-            <a:off x="3539181" y="1906245"/>
-            <a:ext cx="5513591" cy="2454088"/>
+            <a:off x="3829187" y="1875770"/>
+            <a:ext cx="4993175" cy="3256208"/>
           </a:xfrm>
           <a:prstGeom prst="rect">
             <a:avLst/>
           </a:prstGeom>
-          <a:ln>
+          <a:ln w="19050">
             <a:solidFill>
               <a:srgbClr val="404040"/>
             </a:solidFill>
           </a:ln>
         </p:spPr>
-        <p:style>
-          <a:lnRef idx="2">
-            <a:schemeClr val="dk1"/>
-          </a:lnRef>
-          <a:fillRef idx="1">
-            <a:schemeClr val="lt1"/>
-          </a:fillRef>
-          <a:effectRef idx="0">
-            <a:schemeClr val="dk1"/>
-          </a:effectRef>
-          <a:fontRef idx="minor">
-            <a:schemeClr val="dk1"/>
-          </a:fontRef>
-        </p:style>
       </p:pic>
     </p:spTree>
     <p:custDataLst>

--- a/Lecture/Web Scraping 1/Web_Scraping_1_Lecture.pptx
+++ b/Lecture/Web Scraping 1/Web_Scraping_1_Lecture.pptx
@@ -3441,7 +3441,7 @@
               <a:pPr>
                 <a:defRPr/>
               </a:pPr>
-              <a:t>9/16/2020</a:t>
+              <a:t>7/7/2021</a:t>
             </a:fld>
             <a:endParaRPr lang="en-US" dirty="0"/>
           </a:p>
@@ -3653,7 +3653,7 @@
               <a:pPr>
                 <a:defRPr/>
               </a:pPr>
-              <a:t>9/16/2020</a:t>
+              <a:t>7/7/2021</a:t>
             </a:fld>
             <a:endParaRPr lang="en-US" dirty="0"/>
           </a:p>
@@ -4172,7 +4172,7 @@
               <a:pPr>
                 <a:defRPr/>
               </a:pPr>
-              <a:t>9/16/2020</a:t>
+              <a:t>7/7/2021</a:t>
             </a:fld>
             <a:endParaRPr lang="en-US" dirty="0"/>
           </a:p>
@@ -4362,7 +4362,7 @@
               <a:pPr>
                 <a:defRPr/>
               </a:pPr>
-              <a:t>9/16/2020</a:t>
+              <a:t>7/7/2021</a:t>
             </a:fld>
             <a:endParaRPr lang="en-US" dirty="0"/>
           </a:p>
@@ -4562,7 +4562,7 @@
               <a:pPr>
                 <a:defRPr/>
               </a:pPr>
-              <a:t>9/16/2020</a:t>
+              <a:t>7/7/2021</a:t>
             </a:fld>
             <a:endParaRPr lang="en-US" dirty="0"/>
           </a:p>
@@ -4830,7 +4830,7 @@
               <a:pPr>
                 <a:defRPr/>
               </a:pPr>
-              <a:t>9/16/2020</a:t>
+              <a:t>7/7/2021</a:t>
             </a:fld>
             <a:endParaRPr lang="en-US" dirty="0">
               <a:solidFill>
@@ -5044,7 +5044,7 @@
               <a:pPr>
                 <a:defRPr/>
               </a:pPr>
-              <a:t>9/16/2020</a:t>
+              <a:t>7/7/2021</a:t>
             </a:fld>
             <a:endParaRPr lang="en-US" dirty="0">
               <a:solidFill>
@@ -5335,7 +5335,7 @@
               <a:pPr>
                 <a:defRPr/>
               </a:pPr>
-              <a:t>9/16/2020</a:t>
+              <a:t>7/7/2021</a:t>
             </a:fld>
             <a:endParaRPr lang="en-US" dirty="0">
               <a:solidFill>
@@ -5666,7 +5666,7 @@
               <a:pPr>
                 <a:defRPr/>
               </a:pPr>
-              <a:t>9/16/2020</a:t>
+              <a:t>7/7/2021</a:t>
             </a:fld>
             <a:endParaRPr lang="en-US" dirty="0">
               <a:solidFill>
@@ -6131,7 +6131,7 @@
               <a:pPr>
                 <a:defRPr/>
               </a:pPr>
-              <a:t>9/16/2020</a:t>
+              <a:t>7/7/2021</a:t>
             </a:fld>
             <a:endParaRPr lang="en-US" dirty="0">
               <a:solidFill>
@@ -6294,7 +6294,7 @@
               <a:pPr>
                 <a:defRPr/>
               </a:pPr>
-              <a:t>9/16/2020</a:t>
+              <a:t>7/7/2021</a:t>
             </a:fld>
             <a:endParaRPr lang="en-US" dirty="0">
               <a:solidFill>
@@ -6435,7 +6435,7 @@
               <a:pPr>
                 <a:defRPr/>
               </a:pPr>
-              <a:t>9/16/2020</a:t>
+              <a:t>7/7/2021</a:t>
             </a:fld>
             <a:endParaRPr lang="en-US" dirty="0">
               <a:solidFill>
@@ -6756,7 +6756,7 @@
               <a:pPr>
                 <a:defRPr/>
               </a:pPr>
-              <a:t>9/16/2020</a:t>
+              <a:t>7/7/2021</a:t>
             </a:fld>
             <a:endParaRPr lang="en-US" dirty="0">
               <a:solidFill>
@@ -6964,7 +6964,7 @@
               <a:pPr>
                 <a:defRPr/>
               </a:pPr>
-              <a:t>9/16/2020</a:t>
+              <a:t>7/7/2021</a:t>
             </a:fld>
             <a:endParaRPr lang="en-US" dirty="0"/>
           </a:p>
@@ -7247,7 +7247,7 @@
               <a:pPr>
                 <a:defRPr/>
               </a:pPr>
-              <a:t>9/16/2020</a:t>
+              <a:t>7/7/2021</a:t>
             </a:fld>
             <a:endParaRPr lang="en-US" dirty="0">
               <a:solidFill>
@@ -7461,7 +7461,7 @@
               <a:pPr>
                 <a:defRPr/>
               </a:pPr>
-              <a:t>9/16/2020</a:t>
+              <a:t>7/7/2021</a:t>
             </a:fld>
             <a:endParaRPr lang="en-US" dirty="0">
               <a:solidFill>
@@ -7685,7 +7685,7 @@
               <a:pPr>
                 <a:defRPr/>
               </a:pPr>
-              <a:t>9/16/2020</a:t>
+              <a:t>7/7/2021</a:t>
             </a:fld>
             <a:endParaRPr lang="en-US" dirty="0">
               <a:solidFill>
@@ -7895,7 +7895,7 @@
               <a:pPr>
                 <a:defRPr/>
               </a:pPr>
-              <a:t>9/16/2020</a:t>
+              <a:t>7/7/2021</a:t>
             </a:fld>
             <a:endParaRPr lang="en-US" dirty="0">
               <a:solidFill>
@@ -8172,7 +8172,7 @@
               <a:pPr>
                 <a:defRPr/>
               </a:pPr>
-              <a:t>9/16/2020</a:t>
+              <a:t>7/7/2021</a:t>
             </a:fld>
             <a:endParaRPr lang="en-US" dirty="0"/>
           </a:p>
@@ -8479,7 +8479,7 @@
               <a:pPr>
                 <a:defRPr/>
               </a:pPr>
-              <a:t>9/16/2020</a:t>
+              <a:t>7/7/2021</a:t>
             </a:fld>
             <a:endParaRPr lang="en-US" dirty="0"/>
           </a:p>
@@ -8920,7 +8920,7 @@
               <a:pPr>
                 <a:defRPr/>
               </a:pPr>
-              <a:t>9/16/2020</a:t>
+              <a:t>7/7/2021</a:t>
             </a:fld>
             <a:endParaRPr lang="en-US" dirty="0"/>
           </a:p>
@@ -9059,7 +9059,7 @@
               <a:pPr>
                 <a:defRPr/>
               </a:pPr>
-              <a:t>9/16/2020</a:t>
+              <a:t>7/7/2021</a:t>
             </a:fld>
             <a:endParaRPr lang="en-US" dirty="0"/>
           </a:p>
@@ -9176,7 +9176,7 @@
               <a:pPr>
                 <a:defRPr/>
               </a:pPr>
-              <a:t>9/16/2020</a:t>
+              <a:t>7/7/2021</a:t>
             </a:fld>
             <a:endParaRPr lang="en-US" dirty="0"/>
           </a:p>
@@ -9473,7 +9473,7 @@
               <a:pPr>
                 <a:defRPr/>
               </a:pPr>
-              <a:t>9/16/2020</a:t>
+              <a:t>7/7/2021</a:t>
             </a:fld>
             <a:endParaRPr lang="en-US" dirty="0"/>
           </a:p>
@@ -9750,7 +9750,7 @@
               <a:pPr>
                 <a:defRPr/>
               </a:pPr>
-              <a:t>9/16/2020</a:t>
+              <a:t>7/7/2021</a:t>
             </a:fld>
             <a:endParaRPr lang="en-US" dirty="0"/>
           </a:p>
@@ -10007,7 +10007,7 @@
               <a:pPr>
                 <a:defRPr/>
               </a:pPr>
-              <a:t>9/16/2020</a:t>
+              <a:t>7/7/2021</a:t>
             </a:fld>
             <a:endParaRPr lang="en-US" dirty="0"/>
           </a:p>
@@ -10717,7 +10717,7 @@
               <a:pPr>
                 <a:defRPr/>
               </a:pPr>
-              <a:t>9/16/2020</a:t>
+              <a:t>7/7/2021</a:t>
             </a:fld>
             <a:endParaRPr lang="en-US" dirty="0">
               <a:solidFill>
@@ -18261,7 +18261,7 @@
               </a:lnSpc>
             </a:pPr>
             <a:r>
-              <a:rPr lang="en-US" sz="2400" kern="1200" dirty="0">
+              <a:rPr lang="en-US" sz="2400" kern="1200">
                 <a:solidFill>
                   <a:schemeClr val="bg1"/>
                 </a:solidFill>
@@ -18269,7 +18269,7 @@
                 <a:ea typeface="+mj-ea"/>
                 <a:cs typeface="+mj-cs"/>
               </a:rPr>
-              <a:t>Tutorial 7 </a:t>
+              <a:t>Supplement</a:t>
             </a:r>
             <a:br>
               <a:rPr lang="en-US" sz="2400" kern="1200" dirty="0">

--- a/Lecture/Web Scraping 1/Web_Scraping_1_Lecture.pptx
+++ b/Lecture/Web Scraping 1/Web_Scraping_1_Lecture.pptx
@@ -3441,7 +3441,7 @@
               <a:pPr>
                 <a:defRPr/>
               </a:pPr>
-              <a:t>7/7/2021</a:t>
+              <a:t>2/8/2022</a:t>
             </a:fld>
             <a:endParaRPr lang="en-US" dirty="0"/>
           </a:p>
@@ -3653,7 +3653,7 @@
               <a:pPr>
                 <a:defRPr/>
               </a:pPr>
-              <a:t>7/7/2021</a:t>
+              <a:t>2/8/2022</a:t>
             </a:fld>
             <a:endParaRPr lang="en-US" dirty="0"/>
           </a:p>
@@ -4172,7 +4172,7 @@
               <a:pPr>
                 <a:defRPr/>
               </a:pPr>
-              <a:t>7/7/2021</a:t>
+              <a:t>2/8/2022</a:t>
             </a:fld>
             <a:endParaRPr lang="en-US" dirty="0"/>
           </a:p>
@@ -4362,7 +4362,7 @@
               <a:pPr>
                 <a:defRPr/>
               </a:pPr>
-              <a:t>7/7/2021</a:t>
+              <a:t>2/8/2022</a:t>
             </a:fld>
             <a:endParaRPr lang="en-US" dirty="0"/>
           </a:p>
@@ -4562,7 +4562,7 @@
               <a:pPr>
                 <a:defRPr/>
               </a:pPr>
-              <a:t>7/7/2021</a:t>
+              <a:t>2/8/2022</a:t>
             </a:fld>
             <a:endParaRPr lang="en-US" dirty="0"/>
           </a:p>
@@ -4830,7 +4830,7 @@
               <a:pPr>
                 <a:defRPr/>
               </a:pPr>
-              <a:t>7/7/2021</a:t>
+              <a:t>2/8/2022</a:t>
             </a:fld>
             <a:endParaRPr lang="en-US" dirty="0">
               <a:solidFill>
@@ -5044,7 +5044,7 @@
               <a:pPr>
                 <a:defRPr/>
               </a:pPr>
-              <a:t>7/7/2021</a:t>
+              <a:t>2/8/2022</a:t>
             </a:fld>
             <a:endParaRPr lang="en-US" dirty="0">
               <a:solidFill>
@@ -5335,7 +5335,7 @@
               <a:pPr>
                 <a:defRPr/>
               </a:pPr>
-              <a:t>7/7/2021</a:t>
+              <a:t>2/8/2022</a:t>
             </a:fld>
             <a:endParaRPr lang="en-US" dirty="0">
               <a:solidFill>
@@ -5666,7 +5666,7 @@
               <a:pPr>
                 <a:defRPr/>
               </a:pPr>
-              <a:t>7/7/2021</a:t>
+              <a:t>2/8/2022</a:t>
             </a:fld>
             <a:endParaRPr lang="en-US" dirty="0">
               <a:solidFill>
@@ -6131,7 +6131,7 @@
               <a:pPr>
                 <a:defRPr/>
               </a:pPr>
-              <a:t>7/7/2021</a:t>
+              <a:t>2/8/2022</a:t>
             </a:fld>
             <a:endParaRPr lang="en-US" dirty="0">
               <a:solidFill>
@@ -6294,7 +6294,7 @@
               <a:pPr>
                 <a:defRPr/>
               </a:pPr>
-              <a:t>7/7/2021</a:t>
+              <a:t>2/8/2022</a:t>
             </a:fld>
             <a:endParaRPr lang="en-US" dirty="0">
               <a:solidFill>
@@ -6435,7 +6435,7 @@
               <a:pPr>
                 <a:defRPr/>
               </a:pPr>
-              <a:t>7/7/2021</a:t>
+              <a:t>2/8/2022</a:t>
             </a:fld>
             <a:endParaRPr lang="en-US" dirty="0">
               <a:solidFill>
@@ -6756,7 +6756,7 @@
               <a:pPr>
                 <a:defRPr/>
               </a:pPr>
-              <a:t>7/7/2021</a:t>
+              <a:t>2/8/2022</a:t>
             </a:fld>
             <a:endParaRPr lang="en-US" dirty="0">
               <a:solidFill>
@@ -6964,7 +6964,7 @@
               <a:pPr>
                 <a:defRPr/>
               </a:pPr>
-              <a:t>7/7/2021</a:t>
+              <a:t>2/8/2022</a:t>
             </a:fld>
             <a:endParaRPr lang="en-US" dirty="0"/>
           </a:p>
@@ -7247,7 +7247,7 @@
               <a:pPr>
                 <a:defRPr/>
               </a:pPr>
-              <a:t>7/7/2021</a:t>
+              <a:t>2/8/2022</a:t>
             </a:fld>
             <a:endParaRPr lang="en-US" dirty="0">
               <a:solidFill>
@@ -7461,7 +7461,7 @@
               <a:pPr>
                 <a:defRPr/>
               </a:pPr>
-              <a:t>7/7/2021</a:t>
+              <a:t>2/8/2022</a:t>
             </a:fld>
             <a:endParaRPr lang="en-US" dirty="0">
               <a:solidFill>
@@ -7685,7 +7685,7 @@
               <a:pPr>
                 <a:defRPr/>
               </a:pPr>
-              <a:t>7/7/2021</a:t>
+              <a:t>2/8/2022</a:t>
             </a:fld>
             <a:endParaRPr lang="en-US" dirty="0">
               <a:solidFill>
@@ -7895,7 +7895,7 @@
               <a:pPr>
                 <a:defRPr/>
               </a:pPr>
-              <a:t>7/7/2021</a:t>
+              <a:t>2/8/2022</a:t>
             </a:fld>
             <a:endParaRPr lang="en-US" dirty="0">
               <a:solidFill>
@@ -8172,7 +8172,7 @@
               <a:pPr>
                 <a:defRPr/>
               </a:pPr>
-              <a:t>7/7/2021</a:t>
+              <a:t>2/8/2022</a:t>
             </a:fld>
             <a:endParaRPr lang="en-US" dirty="0"/>
           </a:p>
@@ -8479,7 +8479,7 @@
               <a:pPr>
                 <a:defRPr/>
               </a:pPr>
-              <a:t>7/7/2021</a:t>
+              <a:t>2/8/2022</a:t>
             </a:fld>
             <a:endParaRPr lang="en-US" dirty="0"/>
           </a:p>
@@ -8920,7 +8920,7 @@
               <a:pPr>
                 <a:defRPr/>
               </a:pPr>
-              <a:t>7/7/2021</a:t>
+              <a:t>2/8/2022</a:t>
             </a:fld>
             <a:endParaRPr lang="en-US" dirty="0"/>
           </a:p>
@@ -9059,7 +9059,7 @@
               <a:pPr>
                 <a:defRPr/>
               </a:pPr>
-              <a:t>7/7/2021</a:t>
+              <a:t>2/8/2022</a:t>
             </a:fld>
             <a:endParaRPr lang="en-US" dirty="0"/>
           </a:p>
@@ -9176,7 +9176,7 @@
               <a:pPr>
                 <a:defRPr/>
               </a:pPr>
-              <a:t>7/7/2021</a:t>
+              <a:t>2/8/2022</a:t>
             </a:fld>
             <a:endParaRPr lang="en-US" dirty="0"/>
           </a:p>
@@ -9473,7 +9473,7 @@
               <a:pPr>
                 <a:defRPr/>
               </a:pPr>
-              <a:t>7/7/2021</a:t>
+              <a:t>2/8/2022</a:t>
             </a:fld>
             <a:endParaRPr lang="en-US" dirty="0"/>
           </a:p>
@@ -9750,7 +9750,7 @@
               <a:pPr>
                 <a:defRPr/>
               </a:pPr>
-              <a:t>7/7/2021</a:t>
+              <a:t>2/8/2022</a:t>
             </a:fld>
             <a:endParaRPr lang="en-US" dirty="0"/>
           </a:p>
@@ -10007,7 +10007,7 @@
               <a:pPr>
                 <a:defRPr/>
               </a:pPr>
-              <a:t>7/7/2021</a:t>
+              <a:t>2/8/2022</a:t>
             </a:fld>
             <a:endParaRPr lang="en-US" dirty="0"/>
           </a:p>
@@ -10717,7 +10717,7 @@
               <a:pPr>
                 <a:defRPr/>
               </a:pPr>
-              <a:t>7/7/2021</a:t>
+              <a:t>2/8/2022</a:t>
             </a:fld>
             <a:endParaRPr lang="en-US" dirty="0">
               <a:solidFill>
@@ -12015,10 +12015,18 @@
                   <a:srgbClr val="404040"/>
                 </a:solidFill>
               </a:rPr>
-              <a:t>Remove 1</a:t>
-            </a:r>
-            <a:r>
-              <a:rPr lang="en-US" baseline="30000" dirty="0">
+              <a:t>Remove </a:t>
+            </a:r>
+            <a:r>
+              <a:rPr lang="en-US">
+                <a:solidFill>
+                  <a:srgbClr val="404040"/>
+                </a:solidFill>
+              </a:rPr>
+              <a:t>1</a:t>
+            </a:r>
+            <a:r>
+              <a:rPr lang="en-US" baseline="30000">
                 <a:solidFill>
                   <a:srgbClr val="404040"/>
                 </a:solidFill>
@@ -12026,13 +12034,18 @@
               <a:t>st </a:t>
             </a:r>
             <a:r>
-              <a:rPr lang="en-US" dirty="0">
+              <a:rPr lang="en-US">
                 <a:solidFill>
                   <a:srgbClr val="404040"/>
                 </a:solidFill>
               </a:rPr>
-              <a:t> 2 Rows</a:t>
-            </a:r>
+              <a:t> Row</a:t>
+            </a:r>
+            <a:endParaRPr lang="en-US" dirty="0">
+              <a:solidFill>
+                <a:srgbClr val="404040"/>
+              </a:solidFill>
+            </a:endParaRPr>
           </a:p>
           <a:p>
             <a:pPr marL="800100" lvl="1" indent="-342900">

--- a/Lecture/Web Scraping 1/Web_Scraping_1_Lecture.pptx
+++ b/Lecture/Web Scraping 1/Web_Scraping_1_Lecture.pptx
@@ -3441,7 +3441,7 @@
               <a:pPr>
                 <a:defRPr/>
               </a:pPr>
-              <a:t>2/8/2022</a:t>
+              <a:t>2/7/2023</a:t>
             </a:fld>
             <a:endParaRPr lang="en-US" dirty="0"/>
           </a:p>
@@ -3653,7 +3653,7 @@
               <a:pPr>
                 <a:defRPr/>
               </a:pPr>
-              <a:t>2/8/2022</a:t>
+              <a:t>2/7/2023</a:t>
             </a:fld>
             <a:endParaRPr lang="en-US" dirty="0"/>
           </a:p>
@@ -4172,7 +4172,7 @@
               <a:pPr>
                 <a:defRPr/>
               </a:pPr>
-              <a:t>2/8/2022</a:t>
+              <a:t>2/7/2023</a:t>
             </a:fld>
             <a:endParaRPr lang="en-US" dirty="0"/>
           </a:p>
@@ -4362,7 +4362,7 @@
               <a:pPr>
                 <a:defRPr/>
               </a:pPr>
-              <a:t>2/8/2022</a:t>
+              <a:t>2/7/2023</a:t>
             </a:fld>
             <a:endParaRPr lang="en-US" dirty="0"/>
           </a:p>
@@ -4562,7 +4562,7 @@
               <a:pPr>
                 <a:defRPr/>
               </a:pPr>
-              <a:t>2/8/2022</a:t>
+              <a:t>2/7/2023</a:t>
             </a:fld>
             <a:endParaRPr lang="en-US" dirty="0"/>
           </a:p>
@@ -4830,7 +4830,7 @@
               <a:pPr>
                 <a:defRPr/>
               </a:pPr>
-              <a:t>2/8/2022</a:t>
+              <a:t>2/7/2023</a:t>
             </a:fld>
             <a:endParaRPr lang="en-US" dirty="0">
               <a:solidFill>
@@ -5044,7 +5044,7 @@
               <a:pPr>
                 <a:defRPr/>
               </a:pPr>
-              <a:t>2/8/2022</a:t>
+              <a:t>2/7/2023</a:t>
             </a:fld>
             <a:endParaRPr lang="en-US" dirty="0">
               <a:solidFill>
@@ -5335,7 +5335,7 @@
               <a:pPr>
                 <a:defRPr/>
               </a:pPr>
-              <a:t>2/8/2022</a:t>
+              <a:t>2/7/2023</a:t>
             </a:fld>
             <a:endParaRPr lang="en-US" dirty="0">
               <a:solidFill>
@@ -5666,7 +5666,7 @@
               <a:pPr>
                 <a:defRPr/>
               </a:pPr>
-              <a:t>2/8/2022</a:t>
+              <a:t>2/7/2023</a:t>
             </a:fld>
             <a:endParaRPr lang="en-US" dirty="0">
               <a:solidFill>
@@ -6131,7 +6131,7 @@
               <a:pPr>
                 <a:defRPr/>
               </a:pPr>
-              <a:t>2/8/2022</a:t>
+              <a:t>2/7/2023</a:t>
             </a:fld>
             <a:endParaRPr lang="en-US" dirty="0">
               <a:solidFill>
@@ -6294,7 +6294,7 @@
               <a:pPr>
                 <a:defRPr/>
               </a:pPr>
-              <a:t>2/8/2022</a:t>
+              <a:t>2/7/2023</a:t>
             </a:fld>
             <a:endParaRPr lang="en-US" dirty="0">
               <a:solidFill>
@@ -6435,7 +6435,7 @@
               <a:pPr>
                 <a:defRPr/>
               </a:pPr>
-              <a:t>2/8/2022</a:t>
+              <a:t>2/7/2023</a:t>
             </a:fld>
             <a:endParaRPr lang="en-US" dirty="0">
               <a:solidFill>
@@ -6756,7 +6756,7 @@
               <a:pPr>
                 <a:defRPr/>
               </a:pPr>
-              <a:t>2/8/2022</a:t>
+              <a:t>2/7/2023</a:t>
             </a:fld>
             <a:endParaRPr lang="en-US" dirty="0">
               <a:solidFill>
@@ -6964,7 +6964,7 @@
               <a:pPr>
                 <a:defRPr/>
               </a:pPr>
-              <a:t>2/8/2022</a:t>
+              <a:t>2/7/2023</a:t>
             </a:fld>
             <a:endParaRPr lang="en-US" dirty="0"/>
           </a:p>
@@ -7247,7 +7247,7 @@
               <a:pPr>
                 <a:defRPr/>
               </a:pPr>
-              <a:t>2/8/2022</a:t>
+              <a:t>2/7/2023</a:t>
             </a:fld>
             <a:endParaRPr lang="en-US" dirty="0">
               <a:solidFill>
@@ -7461,7 +7461,7 @@
               <a:pPr>
                 <a:defRPr/>
               </a:pPr>
-              <a:t>2/8/2022</a:t>
+              <a:t>2/7/2023</a:t>
             </a:fld>
             <a:endParaRPr lang="en-US" dirty="0">
               <a:solidFill>
@@ -7685,7 +7685,7 @@
               <a:pPr>
                 <a:defRPr/>
               </a:pPr>
-              <a:t>2/8/2022</a:t>
+              <a:t>2/7/2023</a:t>
             </a:fld>
             <a:endParaRPr lang="en-US" dirty="0">
               <a:solidFill>
@@ -7895,7 +7895,7 @@
               <a:pPr>
                 <a:defRPr/>
               </a:pPr>
-              <a:t>2/8/2022</a:t>
+              <a:t>2/7/2023</a:t>
             </a:fld>
             <a:endParaRPr lang="en-US" dirty="0">
               <a:solidFill>
@@ -8172,7 +8172,7 @@
               <a:pPr>
                 <a:defRPr/>
               </a:pPr>
-              <a:t>2/8/2022</a:t>
+              <a:t>2/7/2023</a:t>
             </a:fld>
             <a:endParaRPr lang="en-US" dirty="0"/>
           </a:p>
@@ -8479,7 +8479,7 @@
               <a:pPr>
                 <a:defRPr/>
               </a:pPr>
-              <a:t>2/8/2022</a:t>
+              <a:t>2/7/2023</a:t>
             </a:fld>
             <a:endParaRPr lang="en-US" dirty="0"/>
           </a:p>
@@ -8920,7 +8920,7 @@
               <a:pPr>
                 <a:defRPr/>
               </a:pPr>
-              <a:t>2/8/2022</a:t>
+              <a:t>2/7/2023</a:t>
             </a:fld>
             <a:endParaRPr lang="en-US" dirty="0"/>
           </a:p>
@@ -9059,7 +9059,7 @@
               <a:pPr>
                 <a:defRPr/>
               </a:pPr>
-              <a:t>2/8/2022</a:t>
+              <a:t>2/7/2023</a:t>
             </a:fld>
             <a:endParaRPr lang="en-US" dirty="0"/>
           </a:p>
@@ -9176,7 +9176,7 @@
               <a:pPr>
                 <a:defRPr/>
               </a:pPr>
-              <a:t>2/8/2022</a:t>
+              <a:t>2/7/2023</a:t>
             </a:fld>
             <a:endParaRPr lang="en-US" dirty="0"/>
           </a:p>
@@ -9473,7 +9473,7 @@
               <a:pPr>
                 <a:defRPr/>
               </a:pPr>
-              <a:t>2/8/2022</a:t>
+              <a:t>2/7/2023</a:t>
             </a:fld>
             <a:endParaRPr lang="en-US" dirty="0"/>
           </a:p>
@@ -9750,7 +9750,7 @@
               <a:pPr>
                 <a:defRPr/>
               </a:pPr>
-              <a:t>2/8/2022</a:t>
+              <a:t>2/7/2023</a:t>
             </a:fld>
             <a:endParaRPr lang="en-US" dirty="0"/>
           </a:p>
@@ -10007,7 +10007,7 @@
               <a:pPr>
                 <a:defRPr/>
               </a:pPr>
-              <a:t>2/8/2022</a:t>
+              <a:t>2/7/2023</a:t>
             </a:fld>
             <a:endParaRPr lang="en-US" dirty="0"/>
           </a:p>
@@ -10717,7 +10717,7 @@
               <a:pPr>
                 <a:defRPr/>
               </a:pPr>
-              <a:t>2/8/2022</a:t>
+              <a:t>2/7/2023</a:t>
             </a:fld>
             <a:endParaRPr lang="en-US" dirty="0">
               <a:solidFill>
@@ -12015,18 +12015,10 @@
                   <a:srgbClr val="404040"/>
                 </a:solidFill>
               </a:rPr>
-              <a:t>Remove </a:t>
-            </a:r>
-            <a:r>
-              <a:rPr lang="en-US">
-                <a:solidFill>
-                  <a:srgbClr val="404040"/>
-                </a:solidFill>
-              </a:rPr>
-              <a:t>1</a:t>
-            </a:r>
-            <a:r>
-              <a:rPr lang="en-US" baseline="30000">
+              <a:t>Remove 1</a:t>
+            </a:r>
+            <a:r>
+              <a:rPr lang="en-US" baseline="30000" dirty="0">
                 <a:solidFill>
                   <a:srgbClr val="404040"/>
                 </a:solidFill>
@@ -12034,18 +12026,29 @@
               <a:t>st </a:t>
             </a:r>
             <a:r>
-              <a:rPr lang="en-US">
+              <a:rPr lang="en-US" dirty="0">
                 <a:solidFill>
                   <a:srgbClr val="404040"/>
                 </a:solidFill>
               </a:rPr>
-              <a:t> Row</a:t>
-            </a:r>
-            <a:endParaRPr lang="en-US" dirty="0">
-              <a:solidFill>
-                <a:srgbClr val="404040"/>
-              </a:solidFill>
-            </a:endParaRPr>
+              <a:t> and 2</a:t>
+            </a:r>
+            <a:r>
+              <a:rPr lang="en-US" baseline="30000" dirty="0">
+                <a:solidFill>
+                  <a:srgbClr val="404040"/>
+                </a:solidFill>
+              </a:rPr>
+              <a:t>nd </a:t>
+            </a:r>
+            <a:r>
+              <a:rPr lang="en-US" dirty="0">
+                <a:solidFill>
+                  <a:srgbClr val="404040"/>
+                </a:solidFill>
+              </a:rPr>
+              <a:t>Rows</a:t>
+            </a:r>
           </a:p>
           <a:p>
             <a:pPr marL="800100" lvl="1" indent="-342900">
@@ -19010,7 +19013,7 @@
         </p:nvSpPr>
         <p:spPr>
           <a:xfrm rot="5400000">
-            <a:off x="4569691" y="5344775"/>
+            <a:off x="4569691" y="4820264"/>
             <a:ext cx="656551" cy="651934"/>
           </a:xfrm>
           <a:prstGeom prst="bentUpArrow">
@@ -19062,7 +19065,7 @@
         </p:nvSpPr>
         <p:spPr>
           <a:xfrm>
-            <a:off x="5187839" y="5634335"/>
+            <a:off x="5282439" y="5079537"/>
             <a:ext cx="3505200" cy="461665"/>
           </a:xfrm>
           <a:prstGeom prst="rect">
@@ -19089,10 +19092,10 @@
       </p:sp>
       <p:pic>
         <p:nvPicPr>
-          <p:cNvPr id="3" name="Picture 2">
+          <p:cNvPr id="9" name="Picture 8">
             <a:extLst>
               <a:ext uri="{FF2B5EF4-FFF2-40B4-BE49-F238E27FC236}">
-                <a16:creationId xmlns:a16="http://schemas.microsoft.com/office/drawing/2014/main" id="{9AABB879-7A07-4750-BCE6-8619EAFF84C0}"/>
+                <a16:creationId xmlns:a16="http://schemas.microsoft.com/office/drawing/2014/main" id="{76680BA0-E7E4-C330-F2D1-C302202343CF}"/>
               </a:ext>
             </a:extLst>
           </p:cNvPr>
@@ -19109,13 +19112,13 @@
         </p:blipFill>
         <p:spPr>
           <a:xfrm>
-            <a:off x="3829187" y="1875770"/>
-            <a:ext cx="4993175" cy="3256208"/>
+            <a:off x="3751495" y="2240552"/>
+            <a:ext cx="4941544" cy="2376895"/>
           </a:xfrm>
           <a:prstGeom prst="rect">
             <a:avLst/>
           </a:prstGeom>
-          <a:ln w="19050">
+          <a:ln w="28575">
             <a:solidFill>
               <a:srgbClr val="404040"/>
             </a:solidFill>
